--- a/Python/챗봇 입문.pptx
+++ b/Python/챗봇 입문.pptx
@@ -266,7 +266,7 @@
             <a:fld id="{7A3565F0-8D2C-4A24-98CA-053063796BFB}" type="datetimeFigureOut">
               <a:rPr lang="ko-KR" altLang="en-US" smtClean="0"/>
               <a:pPr/>
-              <a:t>2023-12-01</a:t>
+              <a:t>2023-12-04</a:t>
             </a:fld>
             <a:endParaRPr lang="ko-KR" altLang="en-US" dirty="0"/>
           </a:p>
@@ -497,7 +497,7 @@
             <a:fld id="{7A3565F0-8D2C-4A24-98CA-053063796BFB}" type="datetimeFigureOut">
               <a:rPr lang="ko-KR" altLang="en-US" smtClean="0"/>
               <a:pPr/>
-              <a:t>2023-12-01</a:t>
+              <a:t>2023-12-04</a:t>
             </a:fld>
             <a:endParaRPr lang="ko-KR" altLang="en-US" dirty="0"/>
           </a:p>
@@ -738,7 +738,7 @@
             <a:fld id="{7A3565F0-8D2C-4A24-98CA-053063796BFB}" type="datetimeFigureOut">
               <a:rPr lang="ko-KR" altLang="en-US" smtClean="0"/>
               <a:pPr/>
-              <a:t>2023-12-01</a:t>
+              <a:t>2023-12-04</a:t>
             </a:fld>
             <a:endParaRPr lang="ko-KR" altLang="en-US" dirty="0"/>
           </a:p>
@@ -969,7 +969,7 @@
             <a:fld id="{7A3565F0-8D2C-4A24-98CA-053063796BFB}" type="datetimeFigureOut">
               <a:rPr lang="ko-KR" altLang="en-US" smtClean="0"/>
               <a:pPr/>
-              <a:t>2023-12-01</a:t>
+              <a:t>2023-12-04</a:t>
             </a:fld>
             <a:endParaRPr lang="ko-KR" altLang="en-US"/>
           </a:p>
@@ -1243,7 +1243,7 @@
             <a:fld id="{7A3565F0-8D2C-4A24-98CA-053063796BFB}" type="datetimeFigureOut">
               <a:rPr lang="ko-KR" altLang="en-US" smtClean="0"/>
               <a:pPr/>
-              <a:t>2023-12-01</a:t>
+              <a:t>2023-12-04</a:t>
             </a:fld>
             <a:endParaRPr lang="ko-KR" altLang="en-US"/>
           </a:p>
@@ -1567,7 +1567,7 @@
             <a:fld id="{7A3565F0-8D2C-4A24-98CA-053063796BFB}" type="datetimeFigureOut">
               <a:rPr lang="ko-KR" altLang="en-US" smtClean="0"/>
               <a:pPr/>
-              <a:t>2023-12-01</a:t>
+              <a:t>2023-12-04</a:t>
             </a:fld>
             <a:endParaRPr lang="ko-KR" altLang="en-US"/>
           </a:p>
@@ -2032,7 +2032,7 @@
             <a:fld id="{7A3565F0-8D2C-4A24-98CA-053063796BFB}" type="datetimeFigureOut">
               <a:rPr lang="ko-KR" altLang="en-US" smtClean="0"/>
               <a:pPr/>
-              <a:t>2023-12-01</a:t>
+              <a:t>2023-12-04</a:t>
             </a:fld>
             <a:endParaRPr lang="ko-KR" altLang="en-US"/>
           </a:p>
@@ -2180,7 +2180,7 @@
             <a:fld id="{7A3565F0-8D2C-4A24-98CA-053063796BFB}" type="datetimeFigureOut">
               <a:rPr lang="ko-KR" altLang="en-US" smtClean="0"/>
               <a:pPr/>
-              <a:t>2023-12-01</a:t>
+              <a:t>2023-12-04</a:t>
             </a:fld>
             <a:endParaRPr lang="ko-KR" altLang="en-US"/>
           </a:p>
@@ -2298,7 +2298,7 @@
             <a:fld id="{7A3565F0-8D2C-4A24-98CA-053063796BFB}" type="datetimeFigureOut">
               <a:rPr lang="ko-KR" altLang="en-US" smtClean="0"/>
               <a:pPr/>
-              <a:t>2023-12-01</a:t>
+              <a:t>2023-12-04</a:t>
             </a:fld>
             <a:endParaRPr lang="ko-KR" altLang="en-US"/>
           </a:p>
@@ -2619,7 +2619,7 @@
             <a:fld id="{7A3565F0-8D2C-4A24-98CA-053063796BFB}" type="datetimeFigureOut">
               <a:rPr lang="ko-KR" altLang="en-US" smtClean="0"/>
               <a:pPr/>
-              <a:t>2023-12-01</a:t>
+              <a:t>2023-12-04</a:t>
             </a:fld>
             <a:endParaRPr lang="ko-KR" altLang="en-US"/>
           </a:p>
@@ -2904,7 +2904,7 @@
             <a:fld id="{7A3565F0-8D2C-4A24-98CA-053063796BFB}" type="datetimeFigureOut">
               <a:rPr lang="ko-KR" altLang="en-US" smtClean="0"/>
               <a:pPr/>
-              <a:t>2023-12-01</a:t>
+              <a:t>2023-12-04</a:t>
             </a:fld>
             <a:endParaRPr lang="ko-KR" altLang="en-US"/>
           </a:p>
@@ -3135,7 +3135,7 @@
             <a:fld id="{7A3565F0-8D2C-4A24-98CA-053063796BFB}" type="datetimeFigureOut">
               <a:rPr lang="ko-KR" altLang="en-US" smtClean="0"/>
               <a:pPr/>
-              <a:t>2023-12-01</a:t>
+              <a:t>2023-12-04</a:t>
             </a:fld>
             <a:endParaRPr lang="ko-KR" altLang="en-US"/>
           </a:p>
@@ -3726,11 +3726,15 @@
           <a:p>
             <a:r>
               <a:rPr lang="ko-KR" altLang="en-US" dirty="0"/>
-              <a:t>입력 데이터 → </a:t>
+              <a:t>입력 </a:t>
+            </a:r>
+            <a:r>
+              <a:rPr lang="ko-KR" altLang="en-US" dirty="0" err="1" smtClean="0"/>
+              <a:t>데이터→은닉층</a:t>
             </a:r>
             <a:r>
               <a:rPr lang="ko-KR" altLang="en-US" dirty="0" err="1"/>
-              <a:t>은닉층→</a:t>
+              <a:t>→</a:t>
             </a:r>
             <a:r>
               <a:rPr lang="ko-KR" altLang="en-US" dirty="0" err="1" smtClean="0"/>
@@ -3743,7 +3747,6 @@
               <a:rPr lang="ko-KR" altLang="en-US" dirty="0"/>
               <a:t>입출력 및 은닉하는 과정에서 패딩도 하고 필요한 특징들만 잡아내서 개체를 인식함</a:t>
             </a:r>
-            <a:endParaRPr lang="ko-KR" altLang="en-US" dirty="0"/>
           </a:p>
         </p:txBody>
       </p:sp>
@@ -3882,13 +3885,8 @@
           <a:p>
             <a:r>
               <a:rPr lang="en-US" altLang="ko-KR" dirty="0" smtClean="0"/>
-              <a:t>CNN(Convolution Neural Network</a:t>
-            </a:r>
-            <a:r>
-              <a:rPr lang="en-US" altLang="ko-KR" dirty="0" smtClean="0"/>
-              <a:t>)</a:t>
-            </a:r>
-            <a:endParaRPr lang="en-US" altLang="ko-KR" dirty="0" smtClean="0"/>
+              <a:t>CNN(Convolution Neural Network)</a:t>
+            </a:r>
           </a:p>
         </p:txBody>
       </p:sp>
